--- a/Wat is Data Science.pptx
+++ b/Wat is Data Science.pptx
@@ -6,6 +6,7 @@
   </p:sldMasterIdLst>
   <p:sldIdLst>
     <p:sldId id="256" r:id="rId2"/>
+    <p:sldId id="257" r:id="rId3"/>
   </p:sldIdLst>
   <p:sldSz cx="12192000" cy="6858000"/>
   <p:notesSz cx="6858000" cy="9144000"/>
@@ -288,7 +289,7 @@
           <a:p>
             <a:fld id="{896D551C-FA85-4F56-8771-B5000C239E90}" type="datetimeFigureOut">
               <a:rPr lang="nl-NL" smtClean="0"/>
-              <a:t>1-2-2021</a:t>
+              <a:t>2-2-2021</a:t>
             </a:fld>
             <a:endParaRPr lang="nl-NL"/>
           </a:p>
@@ -486,7 +487,7 @@
           <a:p>
             <a:fld id="{896D551C-FA85-4F56-8771-B5000C239E90}" type="datetimeFigureOut">
               <a:rPr lang="nl-NL" smtClean="0"/>
-              <a:t>1-2-2021</a:t>
+              <a:t>2-2-2021</a:t>
             </a:fld>
             <a:endParaRPr lang="nl-NL"/>
           </a:p>
@@ -694,7 +695,7 @@
           <a:p>
             <a:fld id="{896D551C-FA85-4F56-8771-B5000C239E90}" type="datetimeFigureOut">
               <a:rPr lang="nl-NL" smtClean="0"/>
-              <a:t>1-2-2021</a:t>
+              <a:t>2-2-2021</a:t>
             </a:fld>
             <a:endParaRPr lang="nl-NL"/>
           </a:p>
@@ -892,7 +893,7 @@
           <a:p>
             <a:fld id="{896D551C-FA85-4F56-8771-B5000C239E90}" type="datetimeFigureOut">
               <a:rPr lang="nl-NL" smtClean="0"/>
-              <a:t>1-2-2021</a:t>
+              <a:t>2-2-2021</a:t>
             </a:fld>
             <a:endParaRPr lang="nl-NL"/>
           </a:p>
@@ -1167,7 +1168,7 @@
           <a:p>
             <a:fld id="{896D551C-FA85-4F56-8771-B5000C239E90}" type="datetimeFigureOut">
               <a:rPr lang="nl-NL" smtClean="0"/>
-              <a:t>1-2-2021</a:t>
+              <a:t>2-2-2021</a:t>
             </a:fld>
             <a:endParaRPr lang="nl-NL"/>
           </a:p>
@@ -1432,7 +1433,7 @@
           <a:p>
             <a:fld id="{896D551C-FA85-4F56-8771-B5000C239E90}" type="datetimeFigureOut">
               <a:rPr lang="nl-NL" smtClean="0"/>
-              <a:t>1-2-2021</a:t>
+              <a:t>2-2-2021</a:t>
             </a:fld>
             <a:endParaRPr lang="nl-NL"/>
           </a:p>
@@ -1844,7 +1845,7 @@
           <a:p>
             <a:fld id="{896D551C-FA85-4F56-8771-B5000C239E90}" type="datetimeFigureOut">
               <a:rPr lang="nl-NL" smtClean="0"/>
-              <a:t>1-2-2021</a:t>
+              <a:t>2-2-2021</a:t>
             </a:fld>
             <a:endParaRPr lang="nl-NL"/>
           </a:p>
@@ -1985,7 +1986,7 @@
           <a:p>
             <a:fld id="{896D551C-FA85-4F56-8771-B5000C239E90}" type="datetimeFigureOut">
               <a:rPr lang="nl-NL" smtClean="0"/>
-              <a:t>1-2-2021</a:t>
+              <a:t>2-2-2021</a:t>
             </a:fld>
             <a:endParaRPr lang="nl-NL"/>
           </a:p>
@@ -2098,7 +2099,7 @@
           <a:p>
             <a:fld id="{896D551C-FA85-4F56-8771-B5000C239E90}" type="datetimeFigureOut">
               <a:rPr lang="nl-NL" smtClean="0"/>
-              <a:t>1-2-2021</a:t>
+              <a:t>2-2-2021</a:t>
             </a:fld>
             <a:endParaRPr lang="nl-NL"/>
           </a:p>
@@ -2409,7 +2410,7 @@
           <a:p>
             <a:fld id="{896D551C-FA85-4F56-8771-B5000C239E90}" type="datetimeFigureOut">
               <a:rPr lang="nl-NL" smtClean="0"/>
-              <a:t>1-2-2021</a:t>
+              <a:t>2-2-2021</a:t>
             </a:fld>
             <a:endParaRPr lang="nl-NL"/>
           </a:p>
@@ -2697,7 +2698,7 @@
           <a:p>
             <a:fld id="{896D551C-FA85-4F56-8771-B5000C239E90}" type="datetimeFigureOut">
               <a:rPr lang="nl-NL" smtClean="0"/>
-              <a:t>1-2-2021</a:t>
+              <a:t>2-2-2021</a:t>
             </a:fld>
             <a:endParaRPr lang="nl-NL"/>
           </a:p>
@@ -2938,7 +2939,7 @@
           <a:p>
             <a:fld id="{896D551C-FA85-4F56-8771-B5000C239E90}" type="datetimeFigureOut">
               <a:rPr lang="nl-NL" smtClean="0"/>
-              <a:t>1-2-2021</a:t>
+              <a:t>2-2-2021</a:t>
             </a:fld>
             <a:endParaRPr lang="nl-NL"/>
           </a:p>
@@ -3973,6 +3974,490 @@
 </p:sld>
 </file>
 
+<file path=ppt/slides/slide2.xml><?xml version="1.0" encoding="utf-8"?>
+<p:sld xmlns:a="http://schemas.openxmlformats.org/drawingml/2006/main" xmlns:r="http://schemas.openxmlformats.org/officeDocument/2006/relationships" xmlns:p="http://schemas.openxmlformats.org/presentationml/2006/main">
+  <p:cSld>
+    <p:bg>
+      <p:bgPr>
+        <a:solidFill>
+          <a:schemeClr val="bg1"/>
+        </a:solidFill>
+        <a:effectLst/>
+      </p:bgPr>
+    </p:bg>
+    <p:spTree>
+      <p:nvGrpSpPr>
+        <p:cNvPr id="1" name=""/>
+        <p:cNvGrpSpPr/>
+        <p:nvPr/>
+      </p:nvGrpSpPr>
+      <p:grpSpPr>
+        <a:xfrm>
+          <a:off x="0" y="0"/>
+          <a:ext cx="0" cy="0"/>
+          <a:chOff x="0" y="0"/>
+          <a:chExt cx="0" cy="0"/>
+        </a:xfrm>
+      </p:grpSpPr>
+      <p:sp>
+        <p:nvSpPr>
+          <p:cNvPr id="19" name="Rectangle 18">
+            <a:extLst>
+              <a:ext uri="{FF2B5EF4-FFF2-40B4-BE49-F238E27FC236}">
+                <a16:creationId xmlns:a16="http://schemas.microsoft.com/office/drawing/2014/main" id="{FC7A3AA1-44C4-4CBE-8808-D86A411AD665}"/>
+              </a:ext>
+              <a:ext uri="{C183D7F6-B498-43B3-948B-1728B52AA6E4}">
+                <adec:decorative xmlns:adec="http://schemas.microsoft.com/office/drawing/2017/decorative" val="1"/>
+              </a:ext>
+            </a:extLst>
+          </p:cNvPr>
+          <p:cNvSpPr>
+            <a:spLocks noGrp="1" noRot="1" noChangeAspect="1" noMove="1" noResize="1" noEditPoints="1" noAdjustHandles="1" noChangeArrowheads="1" noChangeShapeType="1" noTextEdit="1"/>
+          </p:cNvSpPr>
+          <p:nvPr>
+            <p:extLst>
+              <p:ext uri="{386F3935-93C4-4BCD-93E2-E3B085C9AB24}">
+                <p16:designElem xmlns:p16="http://schemas.microsoft.com/office/powerpoint/2015/main" val="1"/>
+              </p:ext>
+            </p:extLst>
+          </p:nvPr>
+        </p:nvSpPr>
+        <p:spPr>
+          <a:xfrm>
+            <a:off x="0" y="0"/>
+            <a:ext cx="12192000" cy="3032449"/>
+          </a:xfrm>
+          <a:prstGeom prst="rect">
+            <a:avLst/>
+          </a:prstGeom>
+          <a:gradFill>
+            <a:gsLst>
+              <a:gs pos="0">
+                <a:schemeClr val="accent1">
+                  <a:lumMod val="90000"/>
+                </a:schemeClr>
+              </a:gs>
+              <a:gs pos="25000">
+                <a:schemeClr val="accent1">
+                  <a:lumMod val="90000"/>
+                </a:schemeClr>
+              </a:gs>
+              <a:gs pos="94000">
+                <a:schemeClr val="bg2">
+                  <a:lumMod val="25000"/>
+                </a:schemeClr>
+              </a:gs>
+              <a:gs pos="100000">
+                <a:schemeClr val="bg2">
+                  <a:lumMod val="25000"/>
+                </a:schemeClr>
+              </a:gs>
+            </a:gsLst>
+            <a:lin ang="4200000" scaled="0"/>
+          </a:gradFill>
+          <a:ln>
+            <a:noFill/>
+          </a:ln>
+        </p:spPr>
+        <p:style>
+          <a:lnRef idx="2">
+            <a:schemeClr val="accent1">
+              <a:shade val="50000"/>
+            </a:schemeClr>
+          </a:lnRef>
+          <a:fillRef idx="1">
+            <a:schemeClr val="accent1"/>
+          </a:fillRef>
+          <a:effectRef idx="0">
+            <a:schemeClr val="accent1"/>
+          </a:effectRef>
+          <a:fontRef idx="minor">
+            <a:schemeClr val="lt1"/>
+          </a:fontRef>
+        </p:style>
+        <p:txBody>
+          <a:bodyPr rtlCol="0" anchor="ctr"/>
+          <a:lstStyle/>
+          <a:p>
+            <a:pPr algn="ctr"/>
+            <a:endParaRPr lang="en-US"/>
+          </a:p>
+        </p:txBody>
+      </p:sp>
+      <p:pic>
+        <p:nvPicPr>
+          <p:cNvPr id="25" name="Picture 20">
+            <a:extLst>
+              <a:ext uri="{FF2B5EF4-FFF2-40B4-BE49-F238E27FC236}">
+                <a16:creationId xmlns:a16="http://schemas.microsoft.com/office/drawing/2014/main" id="{4FDAB746-A9A3-4EC2-8997-5EB71BC96424}"/>
+              </a:ext>
+              <a:ext uri="{C183D7F6-B498-43B3-948B-1728B52AA6E4}">
+                <adec:decorative xmlns:adec="http://schemas.microsoft.com/office/drawing/2017/decorative" val="1"/>
+              </a:ext>
+            </a:extLst>
+          </p:cNvPr>
+          <p:cNvPicPr>
+            <a:picLocks noGrp="1" noRot="1" noChangeAspect="1" noMove="1" noResize="1" noEditPoints="1" noAdjustHandles="1" noChangeArrowheads="1" noChangeShapeType="1" noCrop="1"/>
+          </p:cNvPicPr>
+          <p:nvPr>
+            <p:extLst>
+              <p:ext uri="{386F3935-93C4-4BCD-93E2-E3B085C9AB24}">
+                <p16:designElem xmlns:p16="http://schemas.microsoft.com/office/powerpoint/2015/main" val="1"/>
+              </p:ext>
+            </p:extLst>
+          </p:nvPr>
+        </p:nvPicPr>
+        <p:blipFill rotWithShape="1">
+          <a:blip r:embed="rId2">
+            <a:extLst>
+              <a:ext uri="{28A0092B-C50C-407E-A947-70E740481C1C}">
+                <a14:useLocalDpi xmlns:a14="http://schemas.microsoft.com/office/drawing/2010/main" val="0"/>
+              </a:ext>
+            </a:extLst>
+          </a:blip>
+          <a:srcRect t="45716" b="33968"/>
+          <a:stretch/>
+        </p:blipFill>
+        <p:spPr>
+          <a:xfrm>
+            <a:off x="0" y="1584458"/>
+            <a:ext cx="12192000" cy="1393277"/>
+          </a:xfrm>
+          <a:custGeom>
+            <a:avLst/>
+            <a:gdLst>
+              <a:gd name="connsiteX0" fmla="*/ 0 w 12192000"/>
+              <a:gd name="connsiteY0" fmla="*/ 0 h 3049325"/>
+              <a:gd name="connsiteX1" fmla="*/ 12192000 w 12192000"/>
+              <a:gd name="connsiteY1" fmla="*/ 0 h 3049325"/>
+              <a:gd name="connsiteX2" fmla="*/ 12192000 w 12192000"/>
+              <a:gd name="connsiteY2" fmla="*/ 3049325 h 3049325"/>
+              <a:gd name="connsiteX3" fmla="*/ 0 w 12192000"/>
+              <a:gd name="connsiteY3" fmla="*/ 3049325 h 3049325"/>
+            </a:gdLst>
+            <a:ahLst/>
+            <a:cxnLst>
+              <a:cxn ang="0">
+                <a:pos x="connsiteX0" y="connsiteY0"/>
+              </a:cxn>
+              <a:cxn ang="0">
+                <a:pos x="connsiteX1" y="connsiteY1"/>
+              </a:cxn>
+              <a:cxn ang="0">
+                <a:pos x="connsiteX2" y="connsiteY2"/>
+              </a:cxn>
+              <a:cxn ang="0">
+                <a:pos x="connsiteX3" y="connsiteY3"/>
+              </a:cxn>
+            </a:cxnLst>
+            <a:rect l="l" t="t" r="r" b="b"/>
+            <a:pathLst>
+              <a:path w="12192000" h="3049325">
+                <a:moveTo>
+                  <a:pt x="0" y="0"/>
+                </a:moveTo>
+                <a:lnTo>
+                  <a:pt x="12192000" y="0"/>
+                </a:lnTo>
+                <a:lnTo>
+                  <a:pt x="12192000" y="3049325"/>
+                </a:lnTo>
+                <a:lnTo>
+                  <a:pt x="0" y="3049325"/>
+                </a:lnTo>
+                <a:close/>
+              </a:path>
+            </a:pathLst>
+          </a:custGeom>
+        </p:spPr>
+      </p:pic>
+      <p:sp>
+        <p:nvSpPr>
+          <p:cNvPr id="2" name="Titel 1">
+            <a:extLst>
+              <a:ext uri="{FF2B5EF4-FFF2-40B4-BE49-F238E27FC236}">
+                <a16:creationId xmlns:a16="http://schemas.microsoft.com/office/drawing/2014/main" id="{15F13274-FB46-46C9-8B89-8CD8B1C90A31}"/>
+              </a:ext>
+            </a:extLst>
+          </p:cNvPr>
+          <p:cNvSpPr>
+            <a:spLocks noGrp="1"/>
+          </p:cNvSpPr>
+          <p:nvPr>
+            <p:ph type="title"/>
+          </p:nvPr>
+        </p:nvSpPr>
+        <p:spPr>
+          <a:xfrm>
+            <a:off x="804672" y="338328"/>
+            <a:ext cx="5011473" cy="1773936"/>
+          </a:xfrm>
+        </p:spPr>
+        <p:txBody>
+          <a:bodyPr>
+            <a:normAutofit/>
+          </a:bodyPr>
+          <a:lstStyle/>
+          <a:p>
+            <a:r>
+              <a:rPr lang="nl-NL" sz="4000" dirty="0">
+                <a:solidFill>
+                  <a:srgbClr val="FFFFFF"/>
+                </a:solidFill>
+              </a:rPr>
+              <a:t>De meeste gebruiken Data </a:t>
+            </a:r>
+            <a:r>
+              <a:rPr lang="nl-NL" sz="4000" dirty="0" err="1">
+                <a:solidFill>
+                  <a:srgbClr val="FFFFFF"/>
+                </a:solidFill>
+              </a:rPr>
+              <a:t>Science</a:t>
+            </a:r>
+            <a:r>
+              <a:rPr lang="nl-NL" sz="4000" dirty="0">
+                <a:solidFill>
+                  <a:srgbClr val="FFFFFF"/>
+                </a:solidFill>
+              </a:rPr>
+              <a:t> tools</a:t>
+            </a:r>
+          </a:p>
+        </p:txBody>
+      </p:sp>
+      <p:sp>
+        <p:nvSpPr>
+          <p:cNvPr id="3" name="Tijdelijke aanduiding voor inhoud 2">
+            <a:extLst>
+              <a:ext uri="{FF2B5EF4-FFF2-40B4-BE49-F238E27FC236}">
+                <a16:creationId xmlns:a16="http://schemas.microsoft.com/office/drawing/2014/main" id="{CAD3DDE2-D813-4A9C-A5E7-90F1590D8409}"/>
+              </a:ext>
+            </a:extLst>
+          </p:cNvPr>
+          <p:cNvSpPr>
+            <a:spLocks noGrp="1"/>
+          </p:cNvSpPr>
+          <p:nvPr>
+            <p:ph idx="1"/>
+          </p:nvPr>
+        </p:nvSpPr>
+        <p:spPr>
+          <a:xfrm>
+            <a:off x="6355641" y="338328"/>
+            <a:ext cx="5029200" cy="1773936"/>
+          </a:xfrm>
+        </p:spPr>
+        <p:txBody>
+          <a:bodyPr anchor="ctr">
+            <a:normAutofit/>
+          </a:bodyPr>
+          <a:lstStyle/>
+          <a:p>
+            <a:r>
+              <a:rPr lang="nl-NL" sz="1700" b="0" i="0">
+                <a:solidFill>
+                  <a:srgbClr val="FFFFFF"/>
+                </a:solidFill>
+                <a:effectLst/>
+                <a:latin typeface="Georgia" panose="02040502050405020303" pitchFamily="18" charset="0"/>
+              </a:rPr>
+              <a:t>SAS</a:t>
+            </a:r>
+          </a:p>
+          <a:p>
+            <a:r>
+              <a:rPr lang="nl-NL" sz="1700" b="0" i="0">
+                <a:solidFill>
+                  <a:srgbClr val="FFFFFF"/>
+                </a:solidFill>
+                <a:effectLst/>
+                <a:latin typeface="Georgia" panose="02040502050405020303" pitchFamily="18" charset="0"/>
+              </a:rPr>
+              <a:t>Apache Spark</a:t>
+            </a:r>
+          </a:p>
+          <a:p>
+            <a:r>
+              <a:rPr lang="nl-NL" sz="1700" b="0" i="0">
+                <a:solidFill>
+                  <a:srgbClr val="FFFFFF"/>
+                </a:solidFill>
+                <a:effectLst/>
+                <a:latin typeface="Georgia" panose="02040502050405020303" pitchFamily="18" charset="0"/>
+              </a:rPr>
+              <a:t>BigML</a:t>
+            </a:r>
+          </a:p>
+          <a:p>
+            <a:r>
+              <a:rPr lang="nl-NL" sz="1700" b="0" i="0">
+                <a:solidFill>
+                  <a:srgbClr val="FFFFFF"/>
+                </a:solidFill>
+                <a:effectLst/>
+                <a:latin typeface="Georgia" panose="02040502050405020303" pitchFamily="18" charset="0"/>
+              </a:rPr>
+              <a:t>D3.js</a:t>
+            </a:r>
+          </a:p>
+          <a:p>
+            <a:r>
+              <a:rPr lang="nl-NL" sz="1700" b="0" i="0">
+                <a:solidFill>
+                  <a:srgbClr val="FFFFFF"/>
+                </a:solidFill>
+                <a:effectLst/>
+                <a:latin typeface="Georgia" panose="02040502050405020303" pitchFamily="18" charset="0"/>
+              </a:rPr>
+              <a:t>MATLAB</a:t>
+            </a:r>
+          </a:p>
+          <a:p>
+            <a:endParaRPr lang="nl-NL" sz="1700">
+              <a:solidFill>
+                <a:srgbClr val="FFFFFF"/>
+              </a:solidFill>
+            </a:endParaRPr>
+          </a:p>
+        </p:txBody>
+      </p:sp>
+      <p:sp>
+        <p:nvSpPr>
+          <p:cNvPr id="26" name="Rectangle 22">
+            <a:extLst>
+              <a:ext uri="{FF2B5EF4-FFF2-40B4-BE49-F238E27FC236}">
+                <a16:creationId xmlns:a16="http://schemas.microsoft.com/office/drawing/2014/main" id="{091C9E05-1ED5-4438-8E0F-38219974999F}"/>
+              </a:ext>
+              <a:ext uri="{C183D7F6-B498-43B3-948B-1728B52AA6E4}">
+                <adec:decorative xmlns:adec="http://schemas.microsoft.com/office/drawing/2017/decorative" val="1"/>
+              </a:ext>
+            </a:extLst>
+          </p:cNvPr>
+          <p:cNvSpPr>
+            <a:spLocks noGrp="1" noRot="1" noChangeAspect="1" noMove="1" noResize="1" noEditPoints="1" noAdjustHandles="1" noChangeArrowheads="1" noChangeShapeType="1" noTextEdit="1"/>
+          </p:cNvSpPr>
+          <p:nvPr>
+            <p:extLst>
+              <p:ext uri="{386F3935-93C4-4BCD-93E2-E3B085C9AB24}">
+                <p16:designElem xmlns:p16="http://schemas.microsoft.com/office/powerpoint/2015/main" val="1"/>
+              </p:ext>
+            </p:extLst>
+          </p:nvPr>
+        </p:nvSpPr>
+        <p:spPr>
+          <a:xfrm flipV="1">
+            <a:off x="0" y="2805364"/>
+            <a:ext cx="12188952" cy="4052636"/>
+          </a:xfrm>
+          <a:prstGeom prst="rect">
+            <a:avLst/>
+          </a:prstGeom>
+          <a:solidFill>
+            <a:srgbClr val="FFFFFF"/>
+          </a:solidFill>
+          <a:ln>
+            <a:noFill/>
+          </a:ln>
+        </p:spPr>
+        <p:style>
+          <a:lnRef idx="2">
+            <a:schemeClr val="accent1">
+              <a:shade val="50000"/>
+            </a:schemeClr>
+          </a:lnRef>
+          <a:fillRef idx="1">
+            <a:schemeClr val="accent1"/>
+          </a:fillRef>
+          <a:effectRef idx="0">
+            <a:schemeClr val="accent1"/>
+          </a:effectRef>
+          <a:fontRef idx="minor">
+            <a:schemeClr val="lt1"/>
+          </a:fontRef>
+        </p:style>
+        <p:txBody>
+          <a:bodyPr rtlCol="0" anchor="ctr"/>
+          <a:lstStyle/>
+          <a:p>
+            <a:pPr algn="ctr"/>
+            <a:endParaRPr lang="en-US"/>
+          </a:p>
+        </p:txBody>
+      </p:sp>
+      <p:pic>
+        <p:nvPicPr>
+          <p:cNvPr id="5" name="Afbeelding 4">
+            <a:extLst>
+              <a:ext uri="{FF2B5EF4-FFF2-40B4-BE49-F238E27FC236}">
+                <a16:creationId xmlns:a16="http://schemas.microsoft.com/office/drawing/2014/main" id="{92597842-EFE6-4103-A38E-D1A97770A040}"/>
+              </a:ext>
+            </a:extLst>
+          </p:cNvPr>
+          <p:cNvPicPr>
+            <a:picLocks noChangeAspect="1"/>
+          </p:cNvPicPr>
+          <p:nvPr/>
+        </p:nvPicPr>
+        <p:blipFill>
+          <a:blip r:embed="rId3"/>
+          <a:stretch>
+            <a:fillRect/>
+          </a:stretch>
+        </p:blipFill>
+        <p:spPr>
+          <a:xfrm>
+            <a:off x="669999" y="3237217"/>
+            <a:ext cx="5166360" cy="2699423"/>
+          </a:xfrm>
+          <a:prstGeom prst="rect">
+            <a:avLst/>
+          </a:prstGeom>
+        </p:spPr>
+      </p:pic>
+      <p:pic>
+        <p:nvPicPr>
+          <p:cNvPr id="4" name="Afbeelding 3">
+            <a:extLst>
+              <a:ext uri="{FF2B5EF4-FFF2-40B4-BE49-F238E27FC236}">
+                <a16:creationId xmlns:a16="http://schemas.microsoft.com/office/drawing/2014/main" id="{593B11A5-7C17-4469-8691-70CC8826D1ED}"/>
+              </a:ext>
+            </a:extLst>
+          </p:cNvPr>
+          <p:cNvPicPr>
+            <a:picLocks noChangeAspect="1"/>
+          </p:cNvPicPr>
+          <p:nvPr/>
+        </p:nvPicPr>
+        <p:blipFill>
+          <a:blip r:embed="rId4"/>
+          <a:stretch>
+            <a:fillRect/>
+          </a:stretch>
+        </p:blipFill>
+        <p:spPr>
+          <a:xfrm>
+            <a:off x="6355641" y="3237217"/>
+            <a:ext cx="5166360" cy="2699423"/>
+          </a:xfrm>
+          <a:prstGeom prst="rect">
+            <a:avLst/>
+          </a:prstGeom>
+        </p:spPr>
+      </p:pic>
+    </p:spTree>
+    <p:extLst>
+      <p:ext uri="{BB962C8B-B14F-4D97-AF65-F5344CB8AC3E}">
+        <p14:creationId xmlns:p14="http://schemas.microsoft.com/office/powerpoint/2010/main" val="3154477717"/>
+      </p:ext>
+    </p:extLst>
+  </p:cSld>
+  <p:clrMapOvr>
+    <a:masterClrMapping/>
+  </p:clrMapOvr>
+</p:sld>
+</file>
+
 <file path=ppt/theme/theme1.xml><?xml version="1.0" encoding="utf-8"?>
 <a:theme xmlns:a="http://schemas.openxmlformats.org/drawingml/2006/main" name="Kantoorthema">
   <a:themeElements>
